--- a/en_resume/PrepareInterview.pptx
+++ b/en_resume/PrepareInterview.pptx
@@ -5,7 +5,7 @@
     <p:sldMasterId id="2147483720" r:id="rId1"/>
   </p:sldMasterIdLst>
   <p:notesMasterIdLst>
-    <p:notesMasterId r:id="rId29"/>
+    <p:notesMasterId r:id="rId30"/>
   </p:notesMasterIdLst>
   <p:sldIdLst>
     <p:sldId id="256" r:id="rId2"/>
@@ -29,12 +29,13 @@
     <p:sldId id="279" r:id="rId20"/>
     <p:sldId id="280" r:id="rId21"/>
     <p:sldId id="281" r:id="rId22"/>
-    <p:sldId id="283" r:id="rId23"/>
-    <p:sldId id="284" r:id="rId24"/>
-    <p:sldId id="288" r:id="rId25"/>
-    <p:sldId id="285" r:id="rId26"/>
-    <p:sldId id="282" r:id="rId27"/>
-    <p:sldId id="286" r:id="rId28"/>
+    <p:sldId id="289" r:id="rId23"/>
+    <p:sldId id="283" r:id="rId24"/>
+    <p:sldId id="284" r:id="rId25"/>
+    <p:sldId id="288" r:id="rId26"/>
+    <p:sldId id="285" r:id="rId27"/>
+    <p:sldId id="282" r:id="rId28"/>
+    <p:sldId id="286" r:id="rId29"/>
   </p:sldIdLst>
   <p:sldSz cx="9144000" cy="6858000" type="screen4x3"/>
   <p:notesSz cx="7102475" cy="10233025"/>
@@ -218,7 +219,7 @@
           <a:p>
             <a:fld id="{B696760C-464B-4CB9-873F-45D59EEA619D}" type="datetimeFigureOut">
               <a:rPr lang="zh-TW" altLang="en-US" smtClean="0"/>
-              <a:t>2018/6/28</a:t>
+              <a:t>2018/7/10</a:t>
             </a:fld>
             <a:endParaRPr lang="zh-TW" altLang="en-US"/>
           </a:p>
@@ -2931,6 +2932,90 @@
 </p:notes>
 </file>
 
+<file path=ppt/notesSlides/notesSlide24.xml><?xml version="1.0" encoding="utf-8"?>
+<p:notes xmlns:a="http://schemas.openxmlformats.org/drawingml/2006/main" xmlns:r="http://schemas.openxmlformats.org/officeDocument/2006/relationships" xmlns:p="http://schemas.openxmlformats.org/presentationml/2006/main">
+  <p:cSld>
+    <p:spTree>
+      <p:nvGrpSpPr>
+        <p:cNvPr id="1" name=""/>
+        <p:cNvGrpSpPr/>
+        <p:nvPr/>
+      </p:nvGrpSpPr>
+      <p:grpSpPr>
+        <a:xfrm>
+          <a:off x="0" y="0"/>
+          <a:ext cx="0" cy="0"/>
+          <a:chOff x="0" y="0"/>
+          <a:chExt cx="0" cy="0"/>
+        </a:xfrm>
+      </p:grpSpPr>
+      <p:sp>
+        <p:nvSpPr>
+          <p:cNvPr id="2" name="投影片圖像版面配置區 1"/>
+          <p:cNvSpPr>
+            <a:spLocks noGrp="1" noRot="1" noChangeAspect="1"/>
+          </p:cNvSpPr>
+          <p:nvPr>
+            <p:ph type="sldImg"/>
+          </p:nvPr>
+        </p:nvSpPr>
+        <p:spPr/>
+      </p:sp>
+      <p:sp>
+        <p:nvSpPr>
+          <p:cNvPr id="3" name="備忘稿版面配置區 2"/>
+          <p:cNvSpPr>
+            <a:spLocks noGrp="1"/>
+          </p:cNvSpPr>
+          <p:nvPr>
+            <p:ph type="body" idx="1"/>
+          </p:nvPr>
+        </p:nvSpPr>
+        <p:spPr/>
+        <p:txBody>
+          <a:bodyPr/>
+          <a:lstStyle/>
+          <a:p>
+            <a:endParaRPr lang="zh-TW" altLang="en-US" dirty="0"/>
+          </a:p>
+        </p:txBody>
+      </p:sp>
+      <p:sp>
+        <p:nvSpPr>
+          <p:cNvPr id="4" name="投影片編號版面配置區 3"/>
+          <p:cNvSpPr>
+            <a:spLocks noGrp="1"/>
+          </p:cNvSpPr>
+          <p:nvPr>
+            <p:ph type="sldNum" sz="quarter" idx="10"/>
+          </p:nvPr>
+        </p:nvSpPr>
+        <p:spPr/>
+        <p:txBody>
+          <a:bodyPr/>
+          <a:lstStyle/>
+          <a:p>
+            <a:fld id="{C2A001C0-343A-4643-948B-1C634691C944}" type="slidenum">
+              <a:rPr lang="zh-TW" altLang="en-US" smtClean="0"/>
+              <a:t>28</a:t>
+            </a:fld>
+            <a:endParaRPr lang="zh-TW" altLang="en-US"/>
+          </a:p>
+        </p:txBody>
+      </p:sp>
+    </p:spTree>
+    <p:extLst>
+      <p:ext uri="{BB962C8B-B14F-4D97-AF65-F5344CB8AC3E}">
+        <p14:creationId xmlns:p14="http://schemas.microsoft.com/office/powerpoint/2010/main" val="4068715250"/>
+      </p:ext>
+    </p:extLst>
+  </p:cSld>
+  <p:clrMapOvr>
+    <a:masterClrMapping/>
+  </p:clrMapOvr>
+</p:notes>
+</file>
+
 <file path=ppt/notesSlides/notesSlide3.xml><?xml version="1.0" encoding="utf-8"?>
 <p:notes xmlns:a="http://schemas.openxmlformats.org/drawingml/2006/main" xmlns:r="http://schemas.openxmlformats.org/officeDocument/2006/relationships" xmlns:p="http://schemas.openxmlformats.org/presentationml/2006/main">
   <p:cSld>
@@ -3707,7 +3792,7 @@
           <a:p>
             <a:fld id="{7521F777-8768-431C-9A11-5AFDAF129F69}" type="datetimeFigureOut">
               <a:rPr lang="zh-TW" altLang="en-US" smtClean="0"/>
-              <a:t>2018/6/28</a:t>
+              <a:t>2018/7/10</a:t>
             </a:fld>
             <a:endParaRPr lang="zh-TW" altLang="en-US"/>
           </a:p>
@@ -3907,7 +3992,7 @@
           <a:p>
             <a:fld id="{7521F777-8768-431C-9A11-5AFDAF129F69}" type="datetimeFigureOut">
               <a:rPr lang="zh-TW" altLang="en-US" smtClean="0"/>
-              <a:t>2018/6/28</a:t>
+              <a:t>2018/7/10</a:t>
             </a:fld>
             <a:endParaRPr lang="zh-TW" altLang="en-US"/>
           </a:p>
@@ -4082,7 +4167,7 @@
           <a:p>
             <a:fld id="{7521F777-8768-431C-9A11-5AFDAF129F69}" type="datetimeFigureOut">
               <a:rPr lang="zh-TW" altLang="en-US" smtClean="0"/>
-              <a:t>2018/6/28</a:t>
+              <a:t>2018/7/10</a:t>
             </a:fld>
             <a:endParaRPr lang="zh-TW" altLang="en-US"/>
           </a:p>
@@ -4247,7 +4332,7 @@
           <a:p>
             <a:fld id="{7521F777-8768-431C-9A11-5AFDAF129F69}" type="datetimeFigureOut">
               <a:rPr lang="zh-TW" altLang="en-US" smtClean="0"/>
-              <a:t>2018/6/28</a:t>
+              <a:t>2018/7/10</a:t>
             </a:fld>
             <a:endParaRPr lang="zh-TW" altLang="en-US"/>
           </a:p>
@@ -4495,7 +4580,7 @@
           <a:p>
             <a:fld id="{7521F777-8768-431C-9A11-5AFDAF129F69}" type="datetimeFigureOut">
               <a:rPr lang="zh-TW" altLang="en-US" smtClean="0"/>
-              <a:t>2018/6/28</a:t>
+              <a:t>2018/7/10</a:t>
             </a:fld>
             <a:endParaRPr lang="zh-TW" altLang="en-US"/>
           </a:p>
@@ -4813,7 +4898,7 @@
           <a:p>
             <a:fld id="{7521F777-8768-431C-9A11-5AFDAF129F69}" type="datetimeFigureOut">
               <a:rPr lang="zh-TW" altLang="en-US" smtClean="0"/>
-              <a:t>2018/6/28</a:t>
+              <a:t>2018/7/10</a:t>
             </a:fld>
             <a:endParaRPr lang="zh-TW" altLang="en-US"/>
           </a:p>
@@ -5279,7 +5364,7 @@
           <a:p>
             <a:fld id="{7521F777-8768-431C-9A11-5AFDAF129F69}" type="datetimeFigureOut">
               <a:rPr lang="zh-TW" altLang="en-US" smtClean="0"/>
-              <a:t>2018/6/28</a:t>
+              <a:t>2018/7/10</a:t>
             </a:fld>
             <a:endParaRPr lang="zh-TW" altLang="en-US"/>
           </a:p>
@@ -5427,7 +5512,7 @@
           <a:p>
             <a:fld id="{7521F777-8768-431C-9A11-5AFDAF129F69}" type="datetimeFigureOut">
               <a:rPr lang="zh-TW" altLang="en-US" smtClean="0"/>
-              <a:t>2018/6/28</a:t>
+              <a:t>2018/7/10</a:t>
             </a:fld>
             <a:endParaRPr lang="zh-TW" altLang="en-US"/>
           </a:p>
@@ -5517,7 +5602,7 @@
           <a:p>
             <a:fld id="{7521F777-8768-431C-9A11-5AFDAF129F69}" type="datetimeFigureOut">
               <a:rPr lang="zh-TW" altLang="en-US" smtClean="0"/>
-              <a:t>2018/6/28</a:t>
+              <a:t>2018/7/10</a:t>
             </a:fld>
             <a:endParaRPr lang="zh-TW" altLang="en-US"/>
           </a:p>
@@ -5791,7 +5876,7 @@
           <a:p>
             <a:fld id="{7521F777-8768-431C-9A11-5AFDAF129F69}" type="datetimeFigureOut">
               <a:rPr lang="zh-TW" altLang="en-US" smtClean="0"/>
-              <a:t>2018/6/28</a:t>
+              <a:t>2018/7/10</a:t>
             </a:fld>
             <a:endParaRPr lang="zh-TW" altLang="en-US"/>
           </a:p>
@@ -6096,7 +6181,7 @@
           <a:p>
             <a:fld id="{7521F777-8768-431C-9A11-5AFDAF129F69}" type="datetimeFigureOut">
               <a:rPr lang="zh-TW" altLang="en-US" smtClean="0"/>
-              <a:t>2018/6/28</a:t>
+              <a:t>2018/7/10</a:t>
             </a:fld>
             <a:endParaRPr lang="zh-TW" altLang="en-US"/>
           </a:p>
@@ -6394,7 +6479,7 @@
           <a:p>
             <a:fld id="{7521F777-8768-431C-9A11-5AFDAF129F69}" type="datetimeFigureOut">
               <a:rPr lang="zh-TW" altLang="en-US" smtClean="0"/>
-              <a:t>2018/6/28</a:t>
+              <a:t>2018/7/10</a:t>
             </a:fld>
             <a:endParaRPr lang="zh-TW" altLang="en-US"/>
           </a:p>
@@ -9014,6 +9099,109 @@
           <a:lstStyle/>
           <a:p>
             <a:r>
+              <a:rPr lang="en-US" altLang="zh-TW" dirty="0" smtClean="0"/>
+              <a:t>Data Structure Alignment</a:t>
+            </a:r>
+            <a:r>
+              <a:rPr lang="en-US" altLang="zh-HK" dirty="0" smtClean="0"/>
+              <a:t/>
+            </a:r>
+            <a:br>
+              <a:rPr lang="en-US" altLang="zh-HK" dirty="0" smtClean="0"/>
+            </a:br>
+            <a:r>
+              <a:rPr lang="en-US" altLang="zh-HK" sz="3100" dirty="0" smtClean="0"/>
+              <a:t>C</a:t>
+            </a:r>
+            <a:endParaRPr lang="zh-TW" altLang="en-US" sz="3100" dirty="0"/>
+          </a:p>
+        </p:txBody>
+      </p:sp>
+      <p:sp>
+        <p:nvSpPr>
+          <p:cNvPr id="3" name="文字方塊 2"/>
+          <p:cNvSpPr txBox="1"/>
+          <p:nvPr/>
+        </p:nvSpPr>
+        <p:spPr>
+          <a:xfrm>
+            <a:off x="539552" y="1844824"/>
+            <a:ext cx="7992888" cy="646331"/>
+          </a:xfrm>
+          <a:prstGeom prst="rect">
+            <a:avLst/>
+          </a:prstGeom>
+          <a:noFill/>
+        </p:spPr>
+        <p:txBody>
+          <a:bodyPr wrap="square" rtlCol="0">
+            <a:spAutoFit/>
+          </a:bodyPr>
+          <a:lstStyle/>
+          <a:p>
+            <a:r>
+              <a:rPr lang="en-US" altLang="zh-TW" dirty="0"/>
+              <a:t>http://kezeodsnx.pixnet.net/blog/post/27585076-data-structure%E7%9A%84%E5%B0%8D%E9%BD%8A(alignment)</a:t>
+            </a:r>
+            <a:endParaRPr lang="zh-TW" altLang="en-US" dirty="0"/>
+          </a:p>
+        </p:txBody>
+      </p:sp>
+    </p:spTree>
+    <p:extLst>
+      <p:ext uri="{BB962C8B-B14F-4D97-AF65-F5344CB8AC3E}">
+        <p14:creationId xmlns:p14="http://schemas.microsoft.com/office/powerpoint/2010/main" val="4105945066"/>
+      </p:ext>
+    </p:extLst>
+  </p:cSld>
+  <p:clrMapOvr>
+    <a:masterClrMapping/>
+  </p:clrMapOvr>
+  <p:timing>
+    <p:tnLst>
+      <p:par>
+        <p:cTn id="1" dur="indefinite" restart="never" nodeType="tmRoot"/>
+      </p:par>
+    </p:tnLst>
+  </p:timing>
+</p:sld>
+</file>
+
+<file path=ppt/slides/slide22.xml><?xml version="1.0" encoding="utf-8"?>
+<p:sld xmlns:a="http://schemas.openxmlformats.org/drawingml/2006/main" xmlns:r="http://schemas.openxmlformats.org/officeDocument/2006/relationships" xmlns:p="http://schemas.openxmlformats.org/presentationml/2006/main">
+  <p:cSld>
+    <p:spTree>
+      <p:nvGrpSpPr>
+        <p:cNvPr id="1" name=""/>
+        <p:cNvGrpSpPr/>
+        <p:nvPr/>
+      </p:nvGrpSpPr>
+      <p:grpSpPr>
+        <a:xfrm>
+          <a:off x="0" y="0"/>
+          <a:ext cx="0" cy="0"/>
+          <a:chOff x="0" y="0"/>
+          <a:chExt cx="0" cy="0"/>
+        </a:xfrm>
+      </p:grpSpPr>
+      <p:sp>
+        <p:nvSpPr>
+          <p:cNvPr id="2" name="標題 1"/>
+          <p:cNvSpPr>
+            <a:spLocks noGrp="1"/>
+          </p:cNvSpPr>
+          <p:nvPr>
+            <p:ph type="title"/>
+          </p:nvPr>
+        </p:nvSpPr>
+        <p:spPr/>
+        <p:txBody>
+          <a:bodyPr>
+            <a:normAutofit fontScale="90000"/>
+          </a:bodyPr>
+          <a:lstStyle/>
+          <a:p>
+            <a:r>
               <a:rPr lang="en-US" altLang="zh-TW" dirty="0"/>
               <a:t>Volatile </a:t>
             </a:r>
@@ -9105,7 +9293,7 @@
     </p:spTree>
     <p:extLst>
       <p:ext uri="{BB962C8B-B14F-4D97-AF65-F5344CB8AC3E}">
-        <p14:creationId xmlns:p14="http://schemas.microsoft.com/office/powerpoint/2010/main" val="4105945066"/>
+        <p14:creationId xmlns:p14="http://schemas.microsoft.com/office/powerpoint/2010/main" val="2184091281"/>
       </p:ext>
     </p:extLst>
   </p:cSld>
@@ -9122,7 +9310,7 @@
 </p:sld>
 </file>
 
-<file path=ppt/slides/slide22.xml><?xml version="1.0" encoding="utf-8"?>
+<file path=ppt/slides/slide23.xml><?xml version="1.0" encoding="utf-8"?>
 <p:sld xmlns:a="http://schemas.openxmlformats.org/drawingml/2006/main" xmlns:r="http://schemas.openxmlformats.org/officeDocument/2006/relationships" xmlns:p="http://schemas.openxmlformats.org/presentationml/2006/main">
   <p:cSld>
     <p:spTree>
@@ -9257,7 +9445,7 @@
 </p:sld>
 </file>
 
-<file path=ppt/slides/slide23.xml><?xml version="1.0" encoding="utf-8"?>
+<file path=ppt/slides/slide24.xml><?xml version="1.0" encoding="utf-8"?>
 <p:sld xmlns:a="http://schemas.openxmlformats.org/drawingml/2006/main" xmlns:r="http://schemas.openxmlformats.org/officeDocument/2006/relationships" xmlns:p="http://schemas.openxmlformats.org/presentationml/2006/main">
   <p:cSld>
     <p:spTree>
@@ -9384,7 +9572,7 @@
 </p:sld>
 </file>
 
-<file path=ppt/slides/slide24.xml><?xml version="1.0" encoding="utf-8"?>
+<file path=ppt/slides/slide25.xml><?xml version="1.0" encoding="utf-8"?>
 <p:sld xmlns:a="http://schemas.openxmlformats.org/drawingml/2006/main" xmlns:r="http://schemas.openxmlformats.org/officeDocument/2006/relationships" xmlns:p="http://schemas.openxmlformats.org/presentationml/2006/main">
   <p:cSld>
     <p:spTree>
@@ -9511,7 +9699,7 @@
 </p:sld>
 </file>
 
-<file path=ppt/slides/slide25.xml><?xml version="1.0" encoding="utf-8"?>
+<file path=ppt/slides/slide26.xml><?xml version="1.0" encoding="utf-8"?>
 <p:sld xmlns:a="http://schemas.openxmlformats.org/drawingml/2006/main" xmlns:r="http://schemas.openxmlformats.org/officeDocument/2006/relationships" xmlns:p="http://schemas.openxmlformats.org/presentationml/2006/main">
   <p:cSld>
     <p:spTree>
@@ -9679,7 +9867,7 @@
 </p:sld>
 </file>
 
-<file path=ppt/slides/slide26.xml><?xml version="1.0" encoding="utf-8"?>
+<file path=ppt/slides/slide27.xml><?xml version="1.0" encoding="utf-8"?>
 <p:sld xmlns:a="http://schemas.openxmlformats.org/drawingml/2006/main" xmlns:r="http://schemas.openxmlformats.org/officeDocument/2006/relationships" xmlns:p="http://schemas.openxmlformats.org/presentationml/2006/main">
   <p:cSld>
     <p:spTree>
@@ -9810,7 +9998,7 @@
 </p:sld>
 </file>
 
-<file path=ppt/slides/slide27.xml><?xml version="1.0" encoding="utf-8"?>
+<file path=ppt/slides/slide28.xml><?xml version="1.0" encoding="utf-8"?>
 <p:sld xmlns:a="http://schemas.openxmlformats.org/drawingml/2006/main" xmlns:r="http://schemas.openxmlformats.org/officeDocument/2006/relationships" xmlns:p="http://schemas.openxmlformats.org/presentationml/2006/main">
   <p:cSld>
     <p:spTree>
